--- a/slides/05 Azure Functions.pptx
+++ b/slides/05 Azure Functions.pptx
@@ -5,7 +5,7 @@
     <p:sldMasterId id="2147483648" r:id="rId1"/>
   </p:sldMasterIdLst>
   <p:notesMasterIdLst>
-    <p:notesMasterId r:id="rId17"/>
+    <p:notesMasterId r:id="rId18"/>
   </p:notesMasterIdLst>
   <p:sldIdLst>
     <p:sldId id="256" r:id="rId2"/>
@@ -19,10 +19,11 @@
     <p:sldId id="264" r:id="rId10"/>
     <p:sldId id="265" r:id="rId11"/>
     <p:sldId id="266" r:id="rId12"/>
-    <p:sldId id="267" r:id="rId13"/>
-    <p:sldId id="269" r:id="rId14"/>
-    <p:sldId id="270" r:id="rId15"/>
-    <p:sldId id="268" r:id="rId16"/>
+    <p:sldId id="271" r:id="rId13"/>
+    <p:sldId id="267" r:id="rId14"/>
+    <p:sldId id="269" r:id="rId15"/>
+    <p:sldId id="270" r:id="rId16"/>
+    <p:sldId id="268" r:id="rId17"/>
   </p:sldIdLst>
   <p:sldSz cx="12192000" cy="6858000"/>
   <p:notesSz cx="6858000" cy="9144000"/>
@@ -137,6 +138,7 @@
             <p14:sldId id="264"/>
             <p14:sldId id="265"/>
             <p14:sldId id="266"/>
+            <p14:sldId id="271"/>
             <p14:sldId id="267"/>
             <p14:sldId id="269"/>
             <p14:sldId id="270"/>
@@ -234,7 +236,7 @@
           <a:p>
             <a:fld id="{45C4B567-25A3-8D4C-93E0-3FCE46A45992}" type="datetimeFigureOut">
               <a:rPr lang="it-IT" smtClean="0"/>
-              <a:t>12/06/18</a:t>
+              <a:t>14/06/18</a:t>
             </a:fld>
             <a:endParaRPr lang="it-IT"/>
           </a:p>
@@ -690,7 +692,7 @@
           <a:p>
             <a:fld id="{2601CE01-80F6-C248-A590-70F339FA21B3}" type="datetime1">
               <a:rPr lang="it-IT" smtClean="0"/>
-              <a:t>12/06/18</a:t>
+              <a:t>14/06/18</a:t>
             </a:fld>
             <a:endParaRPr lang="en-US" dirty="0"/>
           </a:p>
@@ -1028,7 +1030,7 @@
           <a:p>
             <a:fld id="{7F6BDEAA-F00E-184D-BCB9-26072218BD68}" type="datetime1">
               <a:rPr lang="it-IT" smtClean="0"/>
-              <a:t>12/06/18</a:t>
+              <a:t>14/06/18</a:t>
             </a:fld>
             <a:endParaRPr lang="en-US" dirty="0"/>
           </a:p>
@@ -1429,7 +1431,7 @@
           <a:p>
             <a:fld id="{7FFBC156-525D-2D4F-AA53-90FCC4A4A652}" type="datetime1">
               <a:rPr lang="it-IT" smtClean="0"/>
-              <a:t>12/06/18</a:t>
+              <a:t>14/06/18</a:t>
             </a:fld>
             <a:endParaRPr lang="en-US" dirty="0"/>
           </a:p>
@@ -1765,7 +1767,7 @@
           <a:p>
             <a:fld id="{B997B736-D586-3944-939D-3B0EBD27B803}" type="datetime1">
               <a:rPr lang="it-IT" smtClean="0"/>
-              <a:t>12/06/18</a:t>
+              <a:t>14/06/18</a:t>
             </a:fld>
             <a:endParaRPr lang="en-US" dirty="0"/>
           </a:p>
@@ -2085,7 +2087,7 @@
           <a:p>
             <a:fld id="{4FFE48FC-0E98-1540-81BD-9CFF37D6D71F}" type="datetime1">
               <a:rPr lang="it-IT" smtClean="0"/>
-              <a:t>12/06/18</a:t>
+              <a:t>14/06/18</a:t>
             </a:fld>
             <a:endParaRPr lang="en-US" dirty="0"/>
           </a:p>
@@ -2481,7 +2483,7 @@
           <a:p>
             <a:fld id="{31311ED6-D795-094D-93BF-B4CDE2797B63}" type="datetime1">
               <a:rPr lang="it-IT" smtClean="0"/>
-              <a:t>12/06/18</a:t>
+              <a:t>14/06/18</a:t>
             </a:fld>
             <a:endParaRPr lang="en-US" dirty="0"/>
           </a:p>
@@ -2738,7 +2740,7 @@
           <a:p>
             <a:fld id="{AD4C863A-9379-634C-955A-9E15722F80D0}" type="datetime1">
               <a:rPr lang="it-IT" smtClean="0"/>
-              <a:t>12/06/18</a:t>
+              <a:t>14/06/18</a:t>
             </a:fld>
             <a:endParaRPr lang="en-US" dirty="0"/>
           </a:p>
@@ -3000,7 +3002,7 @@
           <a:p>
             <a:fld id="{619DAAE9-83F1-A44D-956B-D8D004F30B50}" type="datetime1">
               <a:rPr lang="it-IT" smtClean="0"/>
-              <a:t>12/06/18</a:t>
+              <a:t>14/06/18</a:t>
             </a:fld>
             <a:endParaRPr lang="en-US" dirty="0"/>
           </a:p>
@@ -3262,7 +3264,7 @@
           <a:p>
             <a:fld id="{12FADF34-F6ED-764D-AB9C-0CA3DD6714F2}" type="datetime1">
               <a:rPr lang="it-IT" smtClean="0"/>
-              <a:t>12/06/18</a:t>
+              <a:t>14/06/18</a:t>
             </a:fld>
             <a:endParaRPr lang="en-US" dirty="0"/>
           </a:p>
@@ -3591,7 +3593,7 @@
           <a:p>
             <a:fld id="{03C2FBBF-9147-1048-8F1B-43359FBF7704}" type="datetime1">
               <a:rPr lang="it-IT" smtClean="0"/>
-              <a:t>12/06/18</a:t>
+              <a:t>14/06/18</a:t>
             </a:fld>
             <a:endParaRPr lang="en-US" dirty="0"/>
           </a:p>
@@ -3914,7 +3916,7 @@
           <a:p>
             <a:fld id="{FDBC9E8F-B7A9-E647-B489-D812A267E210}" type="datetime1">
               <a:rPr lang="it-IT" smtClean="0"/>
-              <a:t>12/06/18</a:t>
+              <a:t>14/06/18</a:t>
             </a:fld>
             <a:endParaRPr lang="en-US" dirty="0"/>
           </a:p>
@@ -4371,7 +4373,7 @@
           <a:p>
             <a:fld id="{692AA628-9264-3B49-AFF1-638AE9B998FD}" type="datetime1">
               <a:rPr lang="it-IT" smtClean="0"/>
-              <a:t>12/06/18</a:t>
+              <a:t>14/06/18</a:t>
             </a:fld>
             <a:endParaRPr lang="en-US" dirty="0"/>
           </a:p>
@@ -4576,7 +4578,7 @@
           <a:p>
             <a:fld id="{E390B7B3-437D-BC41-A147-46816859E440}" type="datetime1">
               <a:rPr lang="it-IT" smtClean="0"/>
-              <a:t>12/06/18</a:t>
+              <a:t>14/06/18</a:t>
             </a:fld>
             <a:endParaRPr lang="en-US" dirty="0"/>
           </a:p>
@@ -4753,7 +4755,7 @@
           <a:p>
             <a:fld id="{386BF708-07C7-734A-9BDD-03043652E280}" type="datetime1">
               <a:rPr lang="it-IT" smtClean="0"/>
-              <a:t>12/06/18</a:t>
+              <a:t>14/06/18</a:t>
             </a:fld>
             <a:endParaRPr lang="en-US" dirty="0"/>
           </a:p>
@@ -5086,7 +5088,7 @@
           <a:p>
             <a:fld id="{00E53CFC-F418-3646-8F2F-0C2E64C17FCE}" type="datetime1">
               <a:rPr lang="it-IT" smtClean="0"/>
-              <a:t>12/06/18</a:t>
+              <a:t>14/06/18</a:t>
             </a:fld>
             <a:endParaRPr lang="en-US" dirty="0"/>
           </a:p>
@@ -5431,7 +5433,7 @@
           <a:p>
             <a:fld id="{26D39D8D-4923-CA4C-A593-5758899EA4CE}" type="datetime1">
               <a:rPr lang="it-IT" smtClean="0"/>
-              <a:t>12/06/18</a:t>
+              <a:t>14/06/18</a:t>
             </a:fld>
             <a:endParaRPr lang="en-US" dirty="0"/>
           </a:p>
@@ -7548,7 +7550,7 @@
           <a:p>
             <a:fld id="{62969995-3100-9D4F-B93A-1303FDA3DE7D}" type="datetime1">
               <a:rPr lang="it-IT" smtClean="0"/>
-              <a:t>12/06/18</a:t>
+              <a:t>14/06/18</a:t>
             </a:fld>
             <a:endParaRPr lang="en-US" dirty="0"/>
           </a:p>
@@ -8328,7 +8330,7 @@
           <a:p>
             <a:fld id="{12FADF34-F6ED-764D-AB9C-0CA3DD6714F2}" type="datetime1">
               <a:rPr lang="it-IT" smtClean="0"/>
-              <a:t>12/06/18</a:t>
+              <a:t>14/06/18</a:t>
             </a:fld>
             <a:endParaRPr lang="en-US" dirty="0"/>
           </a:p>
@@ -8567,7 +8569,7 @@
           <a:p>
             <a:fld id="{12FADF34-F6ED-764D-AB9C-0CA3DD6714F2}" type="datetime1">
               <a:rPr lang="it-IT" smtClean="0"/>
-              <a:t>12/06/18</a:t>
+              <a:t>14/06/18</a:t>
             </a:fld>
             <a:endParaRPr lang="en-US" dirty="0"/>
           </a:p>
@@ -8667,7 +8669,7 @@
           <p:cNvPr id="2" name="Title 1">
             <a:extLst>
               <a:ext uri="{FF2B5EF4-FFF2-40B4-BE49-F238E27FC236}">
-                <a16:creationId xmlns:a16="http://schemas.microsoft.com/office/drawing/2014/main" id="{AFA3FA92-E62E-EA4F-B9F5-4FC9B729F2E5}"/>
+                <a16:creationId xmlns:a16="http://schemas.microsoft.com/office/drawing/2014/main" id="{6D3E62B8-03C1-A64E-8F79-EF0B0E6B6557}"/>
               </a:ext>
             </a:extLst>
           </p:cNvPr>
@@ -8678,27 +8680,29 @@
             <p:ph type="title"/>
           </p:nvPr>
         </p:nvSpPr>
-        <p:spPr/>
-        <p:txBody>
-          <a:bodyPr/>
-          <a:lstStyle/>
-          <a:p>
-            <a:r>
-              <a:rPr lang="it-IT" dirty="0"/>
-              <a:t>Esercitazione: creare una funzione attivata da </a:t>
+        <p:spPr>
+          <a:xfrm>
+            <a:off x="1995055" y="624110"/>
+            <a:ext cx="9509557" cy="1280890"/>
+          </a:xfrm>
+        </p:spPr>
+        <p:txBody>
+          <a:bodyPr>
+            <a:normAutofit fontScale="90000"/>
+          </a:bodyPr>
+          <a:lstStyle/>
+          <a:p>
+            <a:r>
+              <a:rPr lang="it-IT" dirty="0"/>
+              <a:t>Creare una funzione attivata dall'archiviazione BLOB di </a:t>
             </a:r>
             <a:r>
               <a:rPr lang="it-IT" dirty="0" err="1"/>
-              <a:t>storage</a:t>
-            </a:r>
-            <a:r>
-              <a:rPr lang="it-IT" dirty="0"/>
-              <a:t> </a:t>
-            </a:r>
-            <a:r>
-              <a:rPr lang="it-IT" dirty="0" err="1"/>
-              <a:t>queue</a:t>
-            </a:r>
+              <a:t>Azure</a:t>
+            </a:r>
+            <a:br>
+              <a:rPr lang="it-IT" dirty="0"/>
+            </a:br>
             <a:endParaRPr lang="it-IT" dirty="0"/>
           </a:p>
         </p:txBody>
@@ -8708,7 +8712,7 @@
           <p:cNvPr id="3" name="Content Placeholder 2">
             <a:extLst>
               <a:ext uri="{FF2B5EF4-FFF2-40B4-BE49-F238E27FC236}">
-                <a16:creationId xmlns:a16="http://schemas.microsoft.com/office/drawing/2014/main" id="{EE22B842-193B-9D44-A222-77A009413E6E}"/>
+                <a16:creationId xmlns:a16="http://schemas.microsoft.com/office/drawing/2014/main" id="{3B0CCFB1-5A07-0640-93BA-4DE0923ABE33}"/>
               </a:ext>
             </a:extLst>
           </p:cNvPr>
@@ -8725,6 +8729,18 @@
           <a:lstStyle/>
           <a:p>
             <a:r>
+              <a:rPr lang="it-IT" dirty="0">
+                <a:hlinkClick r:id="rId2"/>
+              </a:rPr>
+              <a:t>https://docs.microsoft.com/it-it/azure/azure-functions/functions-create-storage-blob-triggered-function</a:t>
+            </a:r>
+            <a:endParaRPr lang="it-IT" dirty="0"/>
+          </a:p>
+          <a:p>
+            <a:endParaRPr lang="it-IT" dirty="0"/>
+          </a:p>
+          <a:p>
+            <a:r>
               <a:rPr lang="it-IT" dirty="0" err="1"/>
               <a:t>https</a:t>
             </a:r>
@@ -8734,57 +8750,20 @@
             </a:r>
             <a:r>
               <a:rPr lang="it-IT" dirty="0" err="1"/>
-              <a:t>docs.microsoft.com</a:t>
-            </a:r>
-            <a:r>
-              <a:rPr lang="it-IT" dirty="0"/>
-              <a:t>/</a:t>
+              <a:t>powerapps.microsoft.com</a:t>
+            </a:r>
+            <a:r>
+              <a:rPr lang="it-IT" dirty="0"/>
+              <a:t>/en-</a:t>
             </a:r>
             <a:r>
               <a:rPr lang="it-IT" dirty="0" err="1"/>
-              <a:t>it-it</a:t>
-            </a:r>
-            <a:r>
-              <a:rPr lang="it-IT" dirty="0"/>
-              <a:t>/</a:t>
-            </a:r>
-            <a:r>
-              <a:rPr lang="it-IT" dirty="0" err="1"/>
-              <a:t>azure</a:t>
-            </a:r>
-            <a:r>
-              <a:rPr lang="it-IT" dirty="0"/>
-              <a:t>/</a:t>
-            </a:r>
-            <a:r>
-              <a:rPr lang="it-IT" dirty="0" err="1"/>
-              <a:t>azure-functions</a:t>
-            </a:r>
-            <a:r>
-              <a:rPr lang="it-IT" dirty="0"/>
-              <a:t>/</a:t>
-            </a:r>
-            <a:r>
-              <a:rPr lang="it-IT" dirty="0" err="1"/>
-              <a:t>functions</a:t>
-            </a:r>
-            <a:r>
-              <a:rPr lang="it-IT" dirty="0"/>
-              <a:t>-create-</a:t>
-            </a:r>
-            <a:r>
-              <a:rPr lang="it-IT" dirty="0" err="1"/>
-              <a:t>storage</a:t>
-            </a:r>
-            <a:r>
-              <a:rPr lang="it-IT" dirty="0"/>
-              <a:t>-</a:t>
-            </a:r>
-            <a:r>
-              <a:rPr lang="it-IT" dirty="0" err="1"/>
-              <a:t>queue-triggered-function</a:t>
-            </a:r>
-            <a:endParaRPr lang="it-IT" dirty="0"/>
+              <a:t>us</a:t>
+            </a:r>
+            <a:r>
+              <a:rPr lang="it-IT" dirty="0"/>
+              <a:t>/blog/auto-generate-thumbnails-using-an-azure-function-and-azure-blob-storage/</a:t>
+            </a:r>
           </a:p>
         </p:txBody>
       </p:sp>
@@ -8793,7 +8772,7 @@
           <p:cNvPr id="4" name="Date Placeholder 3">
             <a:extLst>
               <a:ext uri="{FF2B5EF4-FFF2-40B4-BE49-F238E27FC236}">
-                <a16:creationId xmlns:a16="http://schemas.microsoft.com/office/drawing/2014/main" id="{D64FD86A-3C56-B147-B736-3E9B8B753D21}"/>
+                <a16:creationId xmlns:a16="http://schemas.microsoft.com/office/drawing/2014/main" id="{BABFA841-E984-0549-AFEE-55407F0F3AA8}"/>
               </a:ext>
             </a:extLst>
           </p:cNvPr>
@@ -8811,7 +8790,7 @@
           <a:p>
             <a:fld id="{12FADF34-F6ED-764D-AB9C-0CA3DD6714F2}" type="datetime1">
               <a:rPr lang="it-IT" smtClean="0"/>
-              <a:t>12/06/18</a:t>
+              <a:t>14/06/18</a:t>
             </a:fld>
             <a:endParaRPr lang="en-US" dirty="0"/>
           </a:p>
@@ -8822,7 +8801,7 @@
           <p:cNvPr id="5" name="Footer Placeholder 4">
             <a:extLst>
               <a:ext uri="{FF2B5EF4-FFF2-40B4-BE49-F238E27FC236}">
-                <a16:creationId xmlns:a16="http://schemas.microsoft.com/office/drawing/2014/main" id="{575F1C83-729A-E044-91B4-8A19A63F71A0}"/>
+                <a16:creationId xmlns:a16="http://schemas.microsoft.com/office/drawing/2014/main" id="{0F8926DC-2AE9-DD48-8ADE-7B5CD72A6F11}"/>
               </a:ext>
             </a:extLst>
           </p:cNvPr>
@@ -8851,7 +8830,7 @@
           <p:cNvPr id="6" name="Slide Number Placeholder 5">
             <a:extLst>
               <a:ext uri="{FF2B5EF4-FFF2-40B4-BE49-F238E27FC236}">
-                <a16:creationId xmlns:a16="http://schemas.microsoft.com/office/drawing/2014/main" id="{42A935B8-53CF-0041-977D-CAA702856F95}"/>
+                <a16:creationId xmlns:a16="http://schemas.microsoft.com/office/drawing/2014/main" id="{60EBD5C7-9872-744D-93E3-D688F56BF126}"/>
               </a:ext>
             </a:extLst>
           </p:cNvPr>
@@ -8879,7 +8858,7 @@
     </p:spTree>
     <p:extLst>
       <p:ext uri="{BB962C8B-B14F-4D97-AF65-F5344CB8AC3E}">
-        <p14:creationId xmlns:p14="http://schemas.microsoft.com/office/powerpoint/2010/main" val="544083490"/>
+        <p14:creationId xmlns:p14="http://schemas.microsoft.com/office/powerpoint/2010/main" val="2682857264"/>
       </p:ext>
     </p:extLst>
   </p:cSld>
@@ -8911,7 +8890,7 @@
           <p:cNvPr id="2" name="Title 1">
             <a:extLst>
               <a:ext uri="{FF2B5EF4-FFF2-40B4-BE49-F238E27FC236}">
-                <a16:creationId xmlns:a16="http://schemas.microsoft.com/office/drawing/2014/main" id="{C604C99E-E746-4049-8616-D65388308FD3}"/>
+                <a16:creationId xmlns:a16="http://schemas.microsoft.com/office/drawing/2014/main" id="{AFA3FA92-E62E-EA4F-B9F5-4FC9B729F2E5}"/>
               </a:ext>
             </a:extLst>
           </p:cNvPr>
@@ -8928,8 +8907,12 @@
           <a:lstStyle/>
           <a:p>
             <a:r>
+              <a:rPr lang="it-IT" dirty="0"/>
+              <a:t>Esercitazione: creare una funzione attivata da </a:t>
+            </a:r>
+            <a:r>
               <a:rPr lang="it-IT" dirty="0" err="1"/>
-              <a:t>Azure</a:t>
+              <a:t>storage</a:t>
             </a:r>
             <a:r>
               <a:rPr lang="it-IT" dirty="0"/>
@@ -8937,15 +8920,7 @@
             </a:r>
             <a:r>
               <a:rPr lang="it-IT" dirty="0" err="1"/>
-              <a:t>logic</a:t>
-            </a:r>
-            <a:r>
-              <a:rPr lang="it-IT" dirty="0"/>
-              <a:t> </a:t>
-            </a:r>
-            <a:r>
-              <a:rPr lang="it-IT" dirty="0" err="1"/>
-              <a:t>apps</a:t>
+              <a:t>queue</a:t>
             </a:r>
             <a:endParaRPr lang="it-IT" dirty="0"/>
           </a:p>
@@ -8956,7 +8931,7 @@
           <p:cNvPr id="3" name="Content Placeholder 2">
             <a:extLst>
               <a:ext uri="{FF2B5EF4-FFF2-40B4-BE49-F238E27FC236}">
-                <a16:creationId xmlns:a16="http://schemas.microsoft.com/office/drawing/2014/main" id="{D973969E-D9CE-EF40-9B5A-FFB132E32A1C}"/>
+                <a16:creationId xmlns:a16="http://schemas.microsoft.com/office/drawing/2014/main" id="{EE22B842-193B-9D44-A222-77A009413E6E}"/>
               </a:ext>
             </a:extLst>
           </p:cNvPr>
@@ -8967,101 +8942,77 @@
             <p:ph idx="1"/>
           </p:nvPr>
         </p:nvSpPr>
-        <p:spPr/>
-        <p:txBody>
-          <a:bodyPr/>
-          <a:lstStyle/>
-          <a:p>
-            <a:r>
-              <a:rPr lang="it-IT" dirty="0"/>
-              <a:t>Le AF sono eccezionali per eseguire piccoli pezzi di codice che realizzano una o due operazioni su un input per produrre un output. </a:t>
-            </a:r>
-          </a:p>
-          <a:p>
-            <a:r>
-              <a:rPr lang="it-IT" dirty="0"/>
-              <a:t>Se volete mettere assieme più </a:t>
-            </a:r>
+        <p:spPr>
+          <a:xfrm>
+            <a:off x="1941511" y="2126222"/>
+            <a:ext cx="8915400" cy="3777622"/>
+          </a:xfrm>
+        </p:spPr>
+        <p:txBody>
+          <a:bodyPr/>
+          <a:lstStyle/>
+          <a:p>
             <a:r>
               <a:rPr lang="it-IT" dirty="0" err="1"/>
-              <a:t>step</a:t>
-            </a:r>
-            <a:r>
-              <a:rPr lang="it-IT" dirty="0"/>
-              <a:t> in un processo più grande, potete usare una </a:t>
+              <a:t>https</a:t>
+            </a:r>
+            <a:r>
+              <a:rPr lang="it-IT" dirty="0"/>
+              <a:t>://</a:t>
             </a:r>
             <a:r>
               <a:rPr lang="it-IT" dirty="0" err="1"/>
-              <a:t>Azure</a:t>
-            </a:r>
-            <a:r>
-              <a:rPr lang="it-IT" dirty="0"/>
-              <a:t> </a:t>
+              <a:t>docs.microsoft.com</a:t>
+            </a:r>
+            <a:r>
+              <a:rPr lang="it-IT" dirty="0"/>
+              <a:t>/</a:t>
             </a:r>
             <a:r>
               <a:rPr lang="it-IT" dirty="0" err="1"/>
-              <a:t>logic</a:t>
-            </a:r>
-            <a:r>
-              <a:rPr lang="it-IT" dirty="0"/>
-              <a:t> </a:t>
+              <a:t>it-it</a:t>
+            </a:r>
+            <a:r>
+              <a:rPr lang="it-IT" dirty="0"/>
+              <a:t>/</a:t>
             </a:r>
             <a:r>
               <a:rPr lang="it-IT" dirty="0" err="1"/>
-              <a:t>app</a:t>
-            </a:r>
-            <a:r>
-              <a:rPr lang="it-IT" dirty="0"/>
-              <a:t>.</a:t>
-            </a:r>
-          </a:p>
-          <a:p>
+              <a:t>azure</a:t>
+            </a:r>
+            <a:r>
+              <a:rPr lang="it-IT" dirty="0"/>
+              <a:t>/</a:t>
+            </a:r>
             <a:r>
               <a:rPr lang="it-IT" dirty="0" err="1"/>
-              <a:t>Azure</a:t>
-            </a:r>
-            <a:r>
-              <a:rPr lang="it-IT" dirty="0"/>
-              <a:t> </a:t>
+              <a:t>azure-functions</a:t>
+            </a:r>
+            <a:r>
+              <a:rPr lang="it-IT" dirty="0"/>
+              <a:t>/</a:t>
             </a:r>
             <a:r>
               <a:rPr lang="it-IT" dirty="0" err="1"/>
-              <a:t>logic</a:t>
-            </a:r>
-            <a:r>
-              <a:rPr lang="it-IT" dirty="0"/>
-              <a:t> </a:t>
+              <a:t>functions</a:t>
+            </a:r>
+            <a:r>
+              <a:rPr lang="it-IT" dirty="0"/>
+              <a:t>-create-</a:t>
             </a:r>
             <a:r>
               <a:rPr lang="it-IT" dirty="0" err="1"/>
-              <a:t>app</a:t>
-            </a:r>
-            <a:r>
-              <a:rPr lang="it-IT" dirty="0"/>
-              <a:t> può orchestrare un processo collegando tra loro chiamate API differenti. L’orchestrazione avviene tramite un designer visuale</a:t>
-            </a:r>
-          </a:p>
-          <a:p>
-            <a:r>
-              <a:rPr lang="it-IT" dirty="0"/>
-              <a:t>Una </a:t>
+              <a:t>storage</a:t>
+            </a:r>
+            <a:r>
+              <a:rPr lang="it-IT" dirty="0"/>
+              <a:t>-</a:t>
             </a:r>
             <a:r>
               <a:rPr lang="it-IT" dirty="0" err="1"/>
-              <a:t>logic</a:t>
-            </a:r>
-            <a:r>
-              <a:rPr lang="it-IT" dirty="0"/>
-              <a:t> </a:t>
-            </a:r>
-            <a:r>
-              <a:rPr lang="it-IT" dirty="0" err="1"/>
-              <a:t>app</a:t>
-            </a:r>
-            <a:r>
-              <a:rPr lang="it-IT" dirty="0"/>
-              <a:t> è innescata da un trigger</a:t>
-            </a:r>
+              <a:t>queue-triggered-function</a:t>
+            </a:r>
+            <a:endParaRPr lang="it-IT" dirty="0"/>
           </a:p>
         </p:txBody>
       </p:sp>
@@ -9070,7 +9021,7 @@
           <p:cNvPr id="4" name="Date Placeholder 3">
             <a:extLst>
               <a:ext uri="{FF2B5EF4-FFF2-40B4-BE49-F238E27FC236}">
-                <a16:creationId xmlns:a16="http://schemas.microsoft.com/office/drawing/2014/main" id="{582D0165-DD85-FF40-92D0-D725FD2A119F}"/>
+                <a16:creationId xmlns:a16="http://schemas.microsoft.com/office/drawing/2014/main" id="{D64FD86A-3C56-B147-B736-3E9B8B753D21}"/>
               </a:ext>
             </a:extLst>
           </p:cNvPr>
@@ -9088,7 +9039,7 @@
           <a:p>
             <a:fld id="{12FADF34-F6ED-764D-AB9C-0CA3DD6714F2}" type="datetime1">
               <a:rPr lang="it-IT" smtClean="0"/>
-              <a:t>12/06/18</a:t>
+              <a:t>14/06/18</a:t>
             </a:fld>
             <a:endParaRPr lang="en-US" dirty="0"/>
           </a:p>
@@ -9099,7 +9050,7 @@
           <p:cNvPr id="5" name="Footer Placeholder 4">
             <a:extLst>
               <a:ext uri="{FF2B5EF4-FFF2-40B4-BE49-F238E27FC236}">
-                <a16:creationId xmlns:a16="http://schemas.microsoft.com/office/drawing/2014/main" id="{3FB17E1C-59B3-FF44-8385-86370F61EC89}"/>
+                <a16:creationId xmlns:a16="http://schemas.microsoft.com/office/drawing/2014/main" id="{575F1C83-729A-E044-91B4-8A19A63F71A0}"/>
               </a:ext>
             </a:extLst>
           </p:cNvPr>
@@ -9128,7 +9079,7 @@
           <p:cNvPr id="6" name="Slide Number Placeholder 5">
             <a:extLst>
               <a:ext uri="{FF2B5EF4-FFF2-40B4-BE49-F238E27FC236}">
-                <a16:creationId xmlns:a16="http://schemas.microsoft.com/office/drawing/2014/main" id="{E2E57804-8041-064D-B196-8DC952336834}"/>
+                <a16:creationId xmlns:a16="http://schemas.microsoft.com/office/drawing/2014/main" id="{42A935B8-53CF-0041-977D-CAA702856F95}"/>
               </a:ext>
             </a:extLst>
           </p:cNvPr>
@@ -9156,7 +9107,7 @@
     </p:spTree>
     <p:extLst>
       <p:ext uri="{BB962C8B-B14F-4D97-AF65-F5344CB8AC3E}">
-        <p14:creationId xmlns:p14="http://schemas.microsoft.com/office/powerpoint/2010/main" val="2916682544"/>
+        <p14:creationId xmlns:p14="http://schemas.microsoft.com/office/powerpoint/2010/main" val="544083490"/>
       </p:ext>
     </p:extLst>
   </p:cSld>
@@ -9188,7 +9139,7 @@
           <p:cNvPr id="2" name="Title 1">
             <a:extLst>
               <a:ext uri="{FF2B5EF4-FFF2-40B4-BE49-F238E27FC236}">
-                <a16:creationId xmlns:a16="http://schemas.microsoft.com/office/drawing/2014/main" id="{BC13FC6B-39DD-5244-B34E-0A9720A0882A}"/>
+                <a16:creationId xmlns:a16="http://schemas.microsoft.com/office/drawing/2014/main" id="{C604C99E-E746-4049-8616-D65388308FD3}"/>
               </a:ext>
             </a:extLst>
           </p:cNvPr>
@@ -9205,16 +9156,12 @@
           <a:lstStyle/>
           <a:p>
             <a:r>
-              <a:rPr lang="it-IT" dirty="0"/>
-              <a:t>Guida introduttiva: Creare il primo </a:t>
-            </a:r>
-            <a:r>
               <a:rPr lang="it-IT" dirty="0" err="1"/>
-              <a:t>workflow</a:t>
-            </a:r>
-            <a:r>
-              <a:rPr lang="it-IT" dirty="0"/>
-              <a:t> di </a:t>
+              <a:t>Azure</a:t>
+            </a:r>
+            <a:r>
+              <a:rPr lang="it-IT" dirty="0"/>
+              <a:t> </a:t>
             </a:r>
             <a:r>
               <a:rPr lang="it-IT" dirty="0" err="1"/>
@@ -9226,7 +9173,7 @@
             </a:r>
             <a:r>
               <a:rPr lang="it-IT" dirty="0" err="1"/>
-              <a:t>app</a:t>
+              <a:t>apps</a:t>
             </a:r>
             <a:endParaRPr lang="it-IT" dirty="0"/>
           </a:p>
@@ -9237,7 +9184,7 @@
           <p:cNvPr id="3" name="Content Placeholder 2">
             <a:extLst>
               <a:ext uri="{FF2B5EF4-FFF2-40B4-BE49-F238E27FC236}">
-                <a16:creationId xmlns:a16="http://schemas.microsoft.com/office/drawing/2014/main" id="{93CCD8B4-48A4-4345-B1CD-396D952915A3}"/>
+                <a16:creationId xmlns:a16="http://schemas.microsoft.com/office/drawing/2014/main" id="{D973969E-D9CE-EF40-9B5A-FFB132E32A1C}"/>
               </a:ext>
             </a:extLst>
           </p:cNvPr>
@@ -9253,7 +9200,96 @@
           <a:bodyPr/>
           <a:lstStyle/>
           <a:p>
-            <a:endParaRPr lang="it-IT"/>
+            <a:r>
+              <a:rPr lang="it-IT" dirty="0"/>
+              <a:t>Le AF sono eccezionali per eseguire piccoli pezzi di codice che realizzano una o due operazioni su un input per produrre un output. </a:t>
+            </a:r>
+          </a:p>
+          <a:p>
+            <a:r>
+              <a:rPr lang="it-IT" dirty="0"/>
+              <a:t>Se volete mettere assieme più </a:t>
+            </a:r>
+            <a:r>
+              <a:rPr lang="it-IT" dirty="0" err="1"/>
+              <a:t>step</a:t>
+            </a:r>
+            <a:r>
+              <a:rPr lang="it-IT" dirty="0"/>
+              <a:t> in un processo più grande, potete usare una </a:t>
+            </a:r>
+            <a:r>
+              <a:rPr lang="it-IT" dirty="0" err="1"/>
+              <a:t>Azure</a:t>
+            </a:r>
+            <a:r>
+              <a:rPr lang="it-IT" dirty="0"/>
+              <a:t> </a:t>
+            </a:r>
+            <a:r>
+              <a:rPr lang="it-IT" dirty="0" err="1"/>
+              <a:t>logic</a:t>
+            </a:r>
+            <a:r>
+              <a:rPr lang="it-IT" dirty="0"/>
+              <a:t> </a:t>
+            </a:r>
+            <a:r>
+              <a:rPr lang="it-IT" dirty="0" err="1"/>
+              <a:t>app</a:t>
+            </a:r>
+            <a:r>
+              <a:rPr lang="it-IT" dirty="0"/>
+              <a:t>.</a:t>
+            </a:r>
+          </a:p>
+          <a:p>
+            <a:r>
+              <a:rPr lang="it-IT" dirty="0" err="1"/>
+              <a:t>Azure</a:t>
+            </a:r>
+            <a:r>
+              <a:rPr lang="it-IT" dirty="0"/>
+              <a:t> </a:t>
+            </a:r>
+            <a:r>
+              <a:rPr lang="it-IT" dirty="0" err="1"/>
+              <a:t>logic</a:t>
+            </a:r>
+            <a:r>
+              <a:rPr lang="it-IT" dirty="0"/>
+              <a:t> </a:t>
+            </a:r>
+            <a:r>
+              <a:rPr lang="it-IT" dirty="0" err="1"/>
+              <a:t>app</a:t>
+            </a:r>
+            <a:r>
+              <a:rPr lang="it-IT" dirty="0"/>
+              <a:t> può orchestrare un processo collegando tra loro chiamate API differenti. L’orchestrazione avviene tramite un designer visuale</a:t>
+            </a:r>
+          </a:p>
+          <a:p>
+            <a:r>
+              <a:rPr lang="it-IT" dirty="0"/>
+              <a:t>Una </a:t>
+            </a:r>
+            <a:r>
+              <a:rPr lang="it-IT" dirty="0" err="1"/>
+              <a:t>logic</a:t>
+            </a:r>
+            <a:r>
+              <a:rPr lang="it-IT" dirty="0"/>
+              <a:t> </a:t>
+            </a:r>
+            <a:r>
+              <a:rPr lang="it-IT" dirty="0" err="1"/>
+              <a:t>app</a:t>
+            </a:r>
+            <a:r>
+              <a:rPr lang="it-IT" dirty="0"/>
+              <a:t> è innescata da un trigger</a:t>
+            </a:r>
           </a:p>
         </p:txBody>
       </p:sp>
@@ -9262,7 +9298,7 @@
           <p:cNvPr id="4" name="Date Placeholder 3">
             <a:extLst>
               <a:ext uri="{FF2B5EF4-FFF2-40B4-BE49-F238E27FC236}">
-                <a16:creationId xmlns:a16="http://schemas.microsoft.com/office/drawing/2014/main" id="{D5082880-96BE-9A46-A2A8-9DC0EC61D521}"/>
+                <a16:creationId xmlns:a16="http://schemas.microsoft.com/office/drawing/2014/main" id="{582D0165-DD85-FF40-92D0-D725FD2A119F}"/>
               </a:ext>
             </a:extLst>
           </p:cNvPr>
@@ -9280,7 +9316,7 @@
           <a:p>
             <a:fld id="{12FADF34-F6ED-764D-AB9C-0CA3DD6714F2}" type="datetime1">
               <a:rPr lang="it-IT" smtClean="0"/>
-              <a:t>12/06/18</a:t>
+              <a:t>14/06/18</a:t>
             </a:fld>
             <a:endParaRPr lang="en-US" dirty="0"/>
           </a:p>
@@ -9291,7 +9327,7 @@
           <p:cNvPr id="5" name="Footer Placeholder 4">
             <a:extLst>
               <a:ext uri="{FF2B5EF4-FFF2-40B4-BE49-F238E27FC236}">
-                <a16:creationId xmlns:a16="http://schemas.microsoft.com/office/drawing/2014/main" id="{FBBED9DE-0A28-0C41-9BE1-6D91990F665A}"/>
+                <a16:creationId xmlns:a16="http://schemas.microsoft.com/office/drawing/2014/main" id="{3FB17E1C-59B3-FF44-8385-86370F61EC89}"/>
               </a:ext>
             </a:extLst>
           </p:cNvPr>
@@ -9320,7 +9356,7 @@
           <p:cNvPr id="6" name="Slide Number Placeholder 5">
             <a:extLst>
               <a:ext uri="{FF2B5EF4-FFF2-40B4-BE49-F238E27FC236}">
-                <a16:creationId xmlns:a16="http://schemas.microsoft.com/office/drawing/2014/main" id="{CAF5DB98-6C22-FB44-9D8B-269D6A6124EB}"/>
+                <a16:creationId xmlns:a16="http://schemas.microsoft.com/office/drawing/2014/main" id="{E2E57804-8041-064D-B196-8DC952336834}"/>
               </a:ext>
             </a:extLst>
           </p:cNvPr>
@@ -9348,7 +9384,7 @@
     </p:spTree>
     <p:extLst>
       <p:ext uri="{BB962C8B-B14F-4D97-AF65-F5344CB8AC3E}">
-        <p14:creationId xmlns:p14="http://schemas.microsoft.com/office/powerpoint/2010/main" val="3066795433"/>
+        <p14:creationId xmlns:p14="http://schemas.microsoft.com/office/powerpoint/2010/main" val="2916682544"/>
       </p:ext>
     </p:extLst>
   </p:cSld>
@@ -9380,6 +9416,258 @@
           <p:cNvPr id="2" name="Title 1">
             <a:extLst>
               <a:ext uri="{FF2B5EF4-FFF2-40B4-BE49-F238E27FC236}">
+                <a16:creationId xmlns:a16="http://schemas.microsoft.com/office/drawing/2014/main" id="{BC13FC6B-39DD-5244-B34E-0A9720A0882A}"/>
+              </a:ext>
+            </a:extLst>
+          </p:cNvPr>
+          <p:cNvSpPr>
+            <a:spLocks noGrp="1"/>
+          </p:cNvSpPr>
+          <p:nvPr>
+            <p:ph type="title"/>
+          </p:nvPr>
+        </p:nvSpPr>
+        <p:spPr/>
+        <p:txBody>
+          <a:bodyPr/>
+          <a:lstStyle/>
+          <a:p>
+            <a:r>
+              <a:rPr lang="it-IT" dirty="0"/>
+              <a:t>Guida introduttiva: Creare il primo </a:t>
+            </a:r>
+            <a:r>
+              <a:rPr lang="it-IT" dirty="0" err="1"/>
+              <a:t>workflow</a:t>
+            </a:r>
+            <a:r>
+              <a:rPr lang="it-IT" dirty="0"/>
+              <a:t> di </a:t>
+            </a:r>
+            <a:r>
+              <a:rPr lang="it-IT" dirty="0" err="1"/>
+              <a:t>logic</a:t>
+            </a:r>
+            <a:r>
+              <a:rPr lang="it-IT" dirty="0"/>
+              <a:t> </a:t>
+            </a:r>
+            <a:r>
+              <a:rPr lang="it-IT" dirty="0" err="1"/>
+              <a:t>app</a:t>
+            </a:r>
+            <a:endParaRPr lang="it-IT" dirty="0"/>
+          </a:p>
+        </p:txBody>
+      </p:sp>
+      <p:sp>
+        <p:nvSpPr>
+          <p:cNvPr id="3" name="Content Placeholder 2">
+            <a:extLst>
+              <a:ext uri="{FF2B5EF4-FFF2-40B4-BE49-F238E27FC236}">
+                <a16:creationId xmlns:a16="http://schemas.microsoft.com/office/drawing/2014/main" id="{93CCD8B4-48A4-4345-B1CD-396D952915A3}"/>
+              </a:ext>
+            </a:extLst>
+          </p:cNvPr>
+          <p:cNvSpPr>
+            <a:spLocks noGrp="1"/>
+          </p:cNvSpPr>
+          <p:nvPr>
+            <p:ph idx="1"/>
+          </p:nvPr>
+        </p:nvSpPr>
+        <p:spPr/>
+        <p:txBody>
+          <a:bodyPr/>
+          <a:lstStyle/>
+          <a:p>
+            <a:r>
+              <a:rPr lang="it-IT" dirty="0" err="1"/>
+              <a:t>https</a:t>
+            </a:r>
+            <a:r>
+              <a:rPr lang="it-IT" dirty="0"/>
+              <a:t>://</a:t>
+            </a:r>
+            <a:r>
+              <a:rPr lang="it-IT" dirty="0" err="1"/>
+              <a:t>docs.microsoft.com</a:t>
+            </a:r>
+            <a:r>
+              <a:rPr lang="it-IT" dirty="0"/>
+              <a:t>/en-</a:t>
+            </a:r>
+            <a:r>
+              <a:rPr lang="it-IT" dirty="0" err="1"/>
+              <a:t>us</a:t>
+            </a:r>
+            <a:r>
+              <a:rPr lang="it-IT" dirty="0"/>
+              <a:t>/</a:t>
+            </a:r>
+            <a:r>
+              <a:rPr lang="it-IT" dirty="0" err="1"/>
+              <a:t>azure</a:t>
+            </a:r>
+            <a:r>
+              <a:rPr lang="it-IT" dirty="0"/>
+              <a:t>/</a:t>
+            </a:r>
+            <a:r>
+              <a:rPr lang="it-IT" dirty="0" err="1"/>
+              <a:t>logic-apps</a:t>
+            </a:r>
+            <a:r>
+              <a:rPr lang="it-IT" dirty="0"/>
+              <a:t>/</a:t>
+            </a:r>
+            <a:r>
+              <a:rPr lang="it-IT" dirty="0" err="1"/>
+              <a:t>quickstart</a:t>
+            </a:r>
+            <a:r>
+              <a:rPr lang="it-IT" dirty="0"/>
+              <a:t>-create-first-</a:t>
+            </a:r>
+            <a:r>
+              <a:rPr lang="it-IT" dirty="0" err="1"/>
+              <a:t>logic</a:t>
+            </a:r>
+            <a:r>
+              <a:rPr lang="it-IT" dirty="0"/>
+              <a:t>-</a:t>
+            </a:r>
+            <a:r>
+              <a:rPr lang="it-IT" dirty="0" err="1"/>
+              <a:t>app-workflow</a:t>
+            </a:r>
+            <a:endParaRPr lang="it-IT" dirty="0"/>
+          </a:p>
+        </p:txBody>
+      </p:sp>
+      <p:sp>
+        <p:nvSpPr>
+          <p:cNvPr id="4" name="Date Placeholder 3">
+            <a:extLst>
+              <a:ext uri="{FF2B5EF4-FFF2-40B4-BE49-F238E27FC236}">
+                <a16:creationId xmlns:a16="http://schemas.microsoft.com/office/drawing/2014/main" id="{D5082880-96BE-9A46-A2A8-9DC0EC61D521}"/>
+              </a:ext>
+            </a:extLst>
+          </p:cNvPr>
+          <p:cNvSpPr>
+            <a:spLocks noGrp="1"/>
+          </p:cNvSpPr>
+          <p:nvPr>
+            <p:ph type="dt" sz="half" idx="10"/>
+          </p:nvPr>
+        </p:nvSpPr>
+        <p:spPr/>
+        <p:txBody>
+          <a:bodyPr/>
+          <a:lstStyle/>
+          <a:p>
+            <a:fld id="{12FADF34-F6ED-764D-AB9C-0CA3DD6714F2}" type="datetime1">
+              <a:rPr lang="it-IT" smtClean="0"/>
+              <a:t>14/06/18</a:t>
+            </a:fld>
+            <a:endParaRPr lang="en-US" dirty="0"/>
+          </a:p>
+        </p:txBody>
+      </p:sp>
+      <p:sp>
+        <p:nvSpPr>
+          <p:cNvPr id="5" name="Footer Placeholder 4">
+            <a:extLst>
+              <a:ext uri="{FF2B5EF4-FFF2-40B4-BE49-F238E27FC236}">
+                <a16:creationId xmlns:a16="http://schemas.microsoft.com/office/drawing/2014/main" id="{FBBED9DE-0A28-0C41-9BE1-6D91990F665A}"/>
+              </a:ext>
+            </a:extLst>
+          </p:cNvPr>
+          <p:cNvSpPr>
+            <a:spLocks noGrp="1"/>
+          </p:cNvSpPr>
+          <p:nvPr>
+            <p:ph type="ftr" sz="quarter" idx="11"/>
+          </p:nvPr>
+        </p:nvSpPr>
+        <p:spPr/>
+        <p:txBody>
+          <a:bodyPr/>
+          <a:lstStyle/>
+          <a:p>
+            <a:r>
+              <a:rPr lang="en-US"/>
+              <a:t>Salvatore Sorrentino</a:t>
+            </a:r>
+            <a:endParaRPr lang="en-US" dirty="0"/>
+          </a:p>
+        </p:txBody>
+      </p:sp>
+      <p:sp>
+        <p:nvSpPr>
+          <p:cNvPr id="6" name="Slide Number Placeholder 5">
+            <a:extLst>
+              <a:ext uri="{FF2B5EF4-FFF2-40B4-BE49-F238E27FC236}">
+                <a16:creationId xmlns:a16="http://schemas.microsoft.com/office/drawing/2014/main" id="{CAF5DB98-6C22-FB44-9D8B-269D6A6124EB}"/>
+              </a:ext>
+            </a:extLst>
+          </p:cNvPr>
+          <p:cNvSpPr>
+            <a:spLocks noGrp="1"/>
+          </p:cNvSpPr>
+          <p:nvPr>
+            <p:ph type="sldNum" sz="quarter" idx="12"/>
+          </p:nvPr>
+        </p:nvSpPr>
+        <p:spPr/>
+        <p:txBody>
+          <a:bodyPr/>
+          <a:lstStyle/>
+          <a:p>
+            <a:fld id="{D57F1E4F-1CFF-5643-939E-217C01CDF565}" type="slidenum">
+              <a:rPr lang="en-US" smtClean="0"/>
+              <a:pPr/>
+              <a:t>15</a:t>
+            </a:fld>
+            <a:endParaRPr lang="en-US" dirty="0"/>
+          </a:p>
+        </p:txBody>
+      </p:sp>
+    </p:spTree>
+    <p:extLst>
+      <p:ext uri="{BB962C8B-B14F-4D97-AF65-F5344CB8AC3E}">
+        <p14:creationId xmlns:p14="http://schemas.microsoft.com/office/powerpoint/2010/main" val="3066795433"/>
+      </p:ext>
+    </p:extLst>
+  </p:cSld>
+  <p:clrMapOvr>
+    <a:masterClrMapping/>
+  </p:clrMapOvr>
+</p:sld>
+</file>
+
+<file path=ppt/slides/slide16.xml><?xml version="1.0" encoding="utf-8"?>
+<p:sld xmlns:a="http://schemas.openxmlformats.org/drawingml/2006/main" xmlns:r="http://schemas.openxmlformats.org/officeDocument/2006/relationships" xmlns:p="http://schemas.openxmlformats.org/presentationml/2006/main">
+  <p:cSld>
+    <p:spTree>
+      <p:nvGrpSpPr>
+        <p:cNvPr id="1" name=""/>
+        <p:cNvGrpSpPr/>
+        <p:nvPr/>
+      </p:nvGrpSpPr>
+      <p:grpSpPr>
+        <a:xfrm>
+          <a:off x="0" y="0"/>
+          <a:ext cx="0" cy="0"/>
+          <a:chOff x="0" y="0"/>
+          <a:chExt cx="0" cy="0"/>
+        </a:xfrm>
+      </p:grpSpPr>
+      <p:sp>
+        <p:nvSpPr>
+          <p:cNvPr id="2" name="Title 1">
+            <a:extLst>
+              <a:ext uri="{FF2B5EF4-FFF2-40B4-BE49-F238E27FC236}">
                 <a16:creationId xmlns:a16="http://schemas.microsoft.com/office/drawing/2014/main" id="{377B722B-6DE2-2546-AABB-6C172CCE76C0}"/>
               </a:ext>
             </a:extLst>
@@ -9504,7 +9792,7 @@
           <a:p>
             <a:fld id="{12FADF34-F6ED-764D-AB9C-0CA3DD6714F2}" type="datetime1">
               <a:rPr lang="it-IT" smtClean="0"/>
-              <a:t>12/06/18</a:t>
+              <a:t>14/06/18</a:t>
             </a:fld>
             <a:endParaRPr lang="en-US" dirty="0"/>
           </a:p>
@@ -9563,7 +9851,7 @@
             <a:fld id="{D57F1E4F-1CFF-5643-939E-217C01CDF565}" type="slidenum">
               <a:rPr lang="en-US" smtClean="0"/>
               <a:pPr/>
-              <a:t>15</a:t>
+              <a:t>16</a:t>
             </a:fld>
             <a:endParaRPr lang="en-US" dirty="0"/>
           </a:p>
@@ -9688,7 +9976,7 @@
           <a:p>
             <a:fld id="{12FADF34-F6ED-764D-AB9C-0CA3DD6714F2}" type="datetime1">
               <a:rPr lang="it-IT" smtClean="0"/>
-              <a:t>12/06/18</a:t>
+              <a:t>14/06/18</a:t>
             </a:fld>
             <a:endParaRPr lang="en-US" dirty="0"/>
           </a:p>
@@ -9872,7 +10160,7 @@
           <a:p>
             <a:fld id="{12FADF34-F6ED-764D-AB9C-0CA3DD6714F2}" type="datetime1">
               <a:rPr lang="it-IT" smtClean="0"/>
-              <a:t>12/06/18</a:t>
+              <a:t>14/06/18</a:t>
             </a:fld>
             <a:endParaRPr lang="en-US" dirty="0"/>
           </a:p>
@@ -10060,7 +10348,7 @@
           <a:p>
             <a:fld id="{12FADF34-F6ED-764D-AB9C-0CA3DD6714F2}" type="datetime1">
               <a:rPr lang="it-IT" smtClean="0"/>
-              <a:t>12/06/18</a:t>
+              <a:t>14/06/18</a:t>
             </a:fld>
             <a:endParaRPr lang="en-US" dirty="0"/>
           </a:p>
@@ -10389,7 +10677,7 @@
           <a:p>
             <a:fld id="{12FADF34-F6ED-764D-AB9C-0CA3DD6714F2}" type="datetime1">
               <a:rPr lang="it-IT" smtClean="0"/>
-              <a:t>12/06/18</a:t>
+              <a:t>14/06/18</a:t>
             </a:fld>
             <a:endParaRPr lang="en-US" dirty="0"/>
           </a:p>
@@ -10561,7 +10849,7 @@
           <a:p>
             <a:fld id="{12FADF34-F6ED-764D-AB9C-0CA3DD6714F2}" type="datetime1">
               <a:rPr lang="it-IT" smtClean="0"/>
-              <a:t>12/06/18</a:t>
+              <a:t>14/06/18</a:t>
             </a:fld>
             <a:endParaRPr lang="en-US" dirty="0"/>
           </a:p>
@@ -10897,7 +11185,7 @@
           <a:p>
             <a:fld id="{12FADF34-F6ED-764D-AB9C-0CA3DD6714F2}" type="datetime1">
               <a:rPr lang="it-IT" smtClean="0"/>
-              <a:t>12/06/18</a:t>
+              <a:t>14/06/18</a:t>
             </a:fld>
             <a:endParaRPr lang="en-US" dirty="0"/>
           </a:p>
@@ -11107,7 +11395,7 @@
           <a:p>
             <a:fld id="{12FADF34-F6ED-764D-AB9C-0CA3DD6714F2}" type="datetime1">
               <a:rPr lang="it-IT" smtClean="0"/>
-              <a:t>12/06/18</a:t>
+              <a:t>14/06/18</a:t>
             </a:fld>
             <a:endParaRPr lang="en-US" dirty="0"/>
           </a:p>
@@ -11465,7 +11753,7 @@
           <a:p>
             <a:fld id="{12FADF34-F6ED-764D-AB9C-0CA3DD6714F2}" type="datetime1">
               <a:rPr lang="it-IT" smtClean="0"/>
-              <a:t>12/06/18</a:t>
+              <a:t>14/06/18</a:t>
             </a:fld>
             <a:endParaRPr lang="en-US" dirty="0"/>
           </a:p>
